--- a/01-practice/Практика 1.pptx
+++ b/01-practice/Практика 1.pptx
@@ -9,10 +9,6 @@
     <p:sldId id="261" r:id="rId3"/>
     <p:sldId id="257" r:id="rId4"/>
     <p:sldId id="259" r:id="rId5"/>
-    <p:sldId id="264" r:id="rId6"/>
-    <p:sldId id="267" r:id="rId7"/>
-    <p:sldId id="265" r:id="rId8"/>
-    <p:sldId id="266" r:id="rId9"/>
   </p:sldIdLst>
   <p:sldSz cx="12192000" cy="6858000"/>
   <p:notesSz cx="6858000" cy="9144000"/>
@@ -126,14 +122,6 @@
             <p14:sldId id="259"/>
           </p14:sldIdLst>
         </p14:section>
-        <p14:section name="Untitled Section" id="{A7938672-11A0-D447-9A6C-3CC15968013F}">
-          <p14:sldIdLst>
-            <p14:sldId id="264"/>
-            <p14:sldId id="267"/>
-            <p14:sldId id="265"/>
-            <p14:sldId id="266"/>
-          </p14:sldIdLst>
-        </p14:section>
       </p14:sectionLst>
     </p:ext>
     <p:ext uri="{EFAFB233-063F-42B5-8137-9DF3F51BA10A}">
@@ -290,7 +278,7 @@
           <a:p>
             <a:fld id="{6E7A5779-1628-BF40-BA5C-6FF62354548A}" type="datetimeFigureOut">
               <a:rPr lang="en-US" smtClean="0"/>
-              <a:t>4/17/25</a:t>
+              <a:t>4/18/25</a:t>
             </a:fld>
             <a:endParaRPr lang="en-US"/>
           </a:p>
@@ -488,7 +476,7 @@
           <a:p>
             <a:fld id="{6E7A5779-1628-BF40-BA5C-6FF62354548A}" type="datetimeFigureOut">
               <a:rPr lang="en-US" smtClean="0"/>
-              <a:t>4/17/25</a:t>
+              <a:t>4/18/25</a:t>
             </a:fld>
             <a:endParaRPr lang="en-US"/>
           </a:p>
@@ -696,7 +684,7 @@
           <a:p>
             <a:fld id="{6E7A5779-1628-BF40-BA5C-6FF62354548A}" type="datetimeFigureOut">
               <a:rPr lang="en-US" smtClean="0"/>
-              <a:t>4/17/25</a:t>
+              <a:t>4/18/25</a:t>
             </a:fld>
             <a:endParaRPr lang="en-US"/>
           </a:p>
@@ -894,7 +882,7 @@
           <a:p>
             <a:fld id="{6E7A5779-1628-BF40-BA5C-6FF62354548A}" type="datetimeFigureOut">
               <a:rPr lang="en-US" smtClean="0"/>
-              <a:t>4/17/25</a:t>
+              <a:t>4/18/25</a:t>
             </a:fld>
             <a:endParaRPr lang="en-US"/>
           </a:p>
@@ -1169,7 +1157,7 @@
           <a:p>
             <a:fld id="{6E7A5779-1628-BF40-BA5C-6FF62354548A}" type="datetimeFigureOut">
               <a:rPr lang="en-US" smtClean="0"/>
-              <a:t>4/17/25</a:t>
+              <a:t>4/18/25</a:t>
             </a:fld>
             <a:endParaRPr lang="en-US"/>
           </a:p>
@@ -1434,7 +1422,7 @@
           <a:p>
             <a:fld id="{6E7A5779-1628-BF40-BA5C-6FF62354548A}" type="datetimeFigureOut">
               <a:rPr lang="en-US" smtClean="0"/>
-              <a:t>4/17/25</a:t>
+              <a:t>4/18/25</a:t>
             </a:fld>
             <a:endParaRPr lang="en-US"/>
           </a:p>
@@ -1846,7 +1834,7 @@
           <a:p>
             <a:fld id="{6E7A5779-1628-BF40-BA5C-6FF62354548A}" type="datetimeFigureOut">
               <a:rPr lang="en-US" smtClean="0"/>
-              <a:t>4/17/25</a:t>
+              <a:t>4/18/25</a:t>
             </a:fld>
             <a:endParaRPr lang="en-US"/>
           </a:p>
@@ -1987,7 +1975,7 @@
           <a:p>
             <a:fld id="{6E7A5779-1628-BF40-BA5C-6FF62354548A}" type="datetimeFigureOut">
               <a:rPr lang="en-US" smtClean="0"/>
-              <a:t>4/17/25</a:t>
+              <a:t>4/18/25</a:t>
             </a:fld>
             <a:endParaRPr lang="en-US"/>
           </a:p>
@@ -2100,7 +2088,7 @@
           <a:p>
             <a:fld id="{6E7A5779-1628-BF40-BA5C-6FF62354548A}" type="datetimeFigureOut">
               <a:rPr lang="en-US" smtClean="0"/>
-              <a:t>4/17/25</a:t>
+              <a:t>4/18/25</a:t>
             </a:fld>
             <a:endParaRPr lang="en-US"/>
           </a:p>
@@ -2411,7 +2399,7 @@
           <a:p>
             <a:fld id="{6E7A5779-1628-BF40-BA5C-6FF62354548A}" type="datetimeFigureOut">
               <a:rPr lang="en-US" smtClean="0"/>
-              <a:t>4/17/25</a:t>
+              <a:t>4/18/25</a:t>
             </a:fld>
             <a:endParaRPr lang="en-US"/>
           </a:p>
@@ -2699,7 +2687,7 @@
           <a:p>
             <a:fld id="{6E7A5779-1628-BF40-BA5C-6FF62354548A}" type="datetimeFigureOut">
               <a:rPr lang="en-US" smtClean="0"/>
-              <a:t>4/17/25</a:t>
+              <a:t>4/18/25</a:t>
             </a:fld>
             <a:endParaRPr lang="en-US"/>
           </a:p>
@@ -2940,7 +2928,7 @@
           <a:p>
             <a:fld id="{6E7A5779-1628-BF40-BA5C-6FF62354548A}" type="datetimeFigureOut">
               <a:rPr lang="en-US" smtClean="0"/>
-              <a:t>4/17/25</a:t>
+              <a:t>4/18/25</a:t>
             </a:fld>
             <a:endParaRPr lang="en-US"/>
           </a:p>
@@ -4173,687 +4161,6 @@
 </p:sld>
 </file>
 
-<file path=ppt/slides/slide5.xml><?xml version="1.0" encoding="utf-8"?>
-<p:sld xmlns:a="http://schemas.openxmlformats.org/drawingml/2006/main" xmlns:r="http://schemas.openxmlformats.org/officeDocument/2006/relationships" xmlns:p="http://schemas.openxmlformats.org/presentationml/2006/main">
-  <p:cSld>
-    <p:spTree>
-      <p:nvGrpSpPr>
-        <p:cNvPr id="1" name="">
-          <a:extLst>
-            <a:ext uri="{FF2B5EF4-FFF2-40B4-BE49-F238E27FC236}">
-              <a16:creationId xmlns:a16="http://schemas.microsoft.com/office/drawing/2014/main" id="{49272FC4-AAA2-1AC4-C94A-41D8700A8778}"/>
-            </a:ext>
-          </a:extLst>
-        </p:cNvPr>
-        <p:cNvGrpSpPr/>
-        <p:nvPr/>
-      </p:nvGrpSpPr>
-      <p:grpSpPr>
-        <a:xfrm>
-          <a:off x="0" y="0"/>
-          <a:ext cx="0" cy="0"/>
-          <a:chOff x="0" y="0"/>
-          <a:chExt cx="0" cy="0"/>
-        </a:xfrm>
-      </p:grpSpPr>
-      <p:sp>
-        <p:nvSpPr>
-          <p:cNvPr id="9" name="Title 1">
-            <a:extLst>
-              <a:ext uri="{FF2B5EF4-FFF2-40B4-BE49-F238E27FC236}">
-                <a16:creationId xmlns:a16="http://schemas.microsoft.com/office/drawing/2014/main" id="{58720D5F-5E07-62D3-AE04-C4DE1A77B6CF}"/>
-              </a:ext>
-            </a:extLst>
-          </p:cNvPr>
-          <p:cNvSpPr>
-            <a:spLocks noGrp="1"/>
-          </p:cNvSpPr>
-          <p:nvPr>
-            <p:ph type="title"/>
-          </p:nvPr>
-        </p:nvSpPr>
-        <p:spPr>
-          <a:xfrm>
-            <a:off x="386970" y="92132"/>
-            <a:ext cx="10515600" cy="545822"/>
-          </a:xfrm>
-        </p:spPr>
-        <p:txBody>
-          <a:bodyPr>
-            <a:normAutofit/>
-          </a:bodyPr>
-          <a:lstStyle/>
-          <a:p>
-            <a:r>
-              <a:rPr lang="ru-RU" sz="3000" dirty="0"/>
-              <a:t>Вызов функций</a:t>
-            </a:r>
-            <a:endParaRPr lang="en-US" sz="3000" dirty="0"/>
-          </a:p>
-        </p:txBody>
-      </p:sp>
-      <p:sp>
-        <p:nvSpPr>
-          <p:cNvPr id="2" name="TextBox 1">
-            <a:extLst>
-              <a:ext uri="{FF2B5EF4-FFF2-40B4-BE49-F238E27FC236}">
-                <a16:creationId xmlns:a16="http://schemas.microsoft.com/office/drawing/2014/main" id="{F2B5D1B0-9259-C48B-FE3A-F6C10210FDAA}"/>
-              </a:ext>
-            </a:extLst>
-          </p:cNvPr>
-          <p:cNvSpPr txBox="1"/>
-          <p:nvPr/>
-        </p:nvSpPr>
-        <p:spPr>
-          <a:xfrm>
-            <a:off x="542109" y="4503856"/>
-            <a:ext cx="5314532" cy="523220"/>
-          </a:xfrm>
-          <a:prstGeom prst="rect">
-            <a:avLst/>
-          </a:prstGeom>
-          <a:noFill/>
-        </p:spPr>
-        <p:txBody>
-          <a:bodyPr wrap="none" rtlCol="0">
-            <a:spAutoFit/>
-          </a:bodyPr>
-          <a:lstStyle/>
-          <a:p>
-            <a:r>
-              <a:rPr lang="ru-RU" sz="2800" dirty="0"/>
-              <a:t>см. </a:t>
-            </a:r>
-            <a:r>
-              <a:rPr lang="en-US" sz="2800" dirty="0"/>
-              <a:t>01-variables-and-functions.R</a:t>
-            </a:r>
-            <a:endParaRPr lang="ru-RU" sz="2800" dirty="0"/>
-          </a:p>
-        </p:txBody>
-      </p:sp>
-      <p:pic>
-        <p:nvPicPr>
-          <p:cNvPr id="1026" name="Picture 2">
-            <a:extLst>
-              <a:ext uri="{FF2B5EF4-FFF2-40B4-BE49-F238E27FC236}">
-                <a16:creationId xmlns:a16="http://schemas.microsoft.com/office/drawing/2014/main" id="{FF87CAC3-B20E-9F84-9428-338BE506B29F}"/>
-              </a:ext>
-            </a:extLst>
-          </p:cNvPr>
-          <p:cNvPicPr>
-            <a:picLocks noChangeAspect="1" noChangeArrowheads="1"/>
-          </p:cNvPicPr>
-          <p:nvPr/>
-        </p:nvPicPr>
-        <p:blipFill rotWithShape="1">
-          <a:blip r:embed="rId2">
-            <a:extLst>
-              <a:ext uri="{28A0092B-C50C-407E-A947-70E740481C1C}">
-                <a14:useLocalDpi xmlns:a14="http://schemas.microsoft.com/office/drawing/2010/main" val="0"/>
-              </a:ext>
-            </a:extLst>
-          </a:blip>
-          <a:srcRect l="38258" t="39202" r="36983" b="39568"/>
-          <a:stretch/>
-        </p:blipFill>
-        <p:spPr bwMode="auto">
-          <a:xfrm>
-            <a:off x="5122817" y="1434439"/>
-            <a:ext cx="1946366" cy="757644"/>
-          </a:xfrm>
-          <a:prstGeom prst="rect">
-            <a:avLst/>
-          </a:prstGeom>
-          <a:noFill/>
-          <a:extLst>
-            <a:ext uri="{909E8E84-426E-40DD-AFC4-6F175D3DCCD1}">
-              <a14:hiddenFill xmlns:a14="http://schemas.microsoft.com/office/drawing/2010/main">
-                <a:solidFill>
-                  <a:srgbClr val="FFFFFF"/>
-                </a:solidFill>
-              </a14:hiddenFill>
-            </a:ext>
-          </a:extLst>
-        </p:spPr>
-      </p:pic>
-      <p:pic>
-        <p:nvPicPr>
-          <p:cNvPr id="1028" name="Picture 4">
-            <a:extLst>
-              <a:ext uri="{FF2B5EF4-FFF2-40B4-BE49-F238E27FC236}">
-                <a16:creationId xmlns:a16="http://schemas.microsoft.com/office/drawing/2014/main" id="{2F685717-9AF3-12DF-A7E4-869BB0330440}"/>
-              </a:ext>
-            </a:extLst>
-          </p:cNvPr>
-          <p:cNvPicPr>
-            <a:picLocks noChangeAspect="1" noChangeArrowheads="1"/>
-          </p:cNvPicPr>
-          <p:nvPr/>
-        </p:nvPicPr>
-        <p:blipFill rotWithShape="1">
-          <a:blip r:embed="rId3">
-            <a:extLst>
-              <a:ext uri="{28A0092B-C50C-407E-A947-70E740481C1C}">
-                <a14:useLocalDpi xmlns:a14="http://schemas.microsoft.com/office/drawing/2010/main" val="0"/>
-              </a:ext>
-            </a:extLst>
-          </a:blip>
-          <a:srcRect l="30380" t="14812" r="29409" b="30416"/>
-          <a:stretch/>
-        </p:blipFill>
-        <p:spPr bwMode="auto">
-          <a:xfrm>
-            <a:off x="542109" y="992778"/>
-            <a:ext cx="3605348" cy="2246811"/>
-          </a:xfrm>
-          <a:prstGeom prst="rect">
-            <a:avLst/>
-          </a:prstGeom>
-          <a:noFill/>
-          <a:extLst>
-            <a:ext uri="{909E8E84-426E-40DD-AFC4-6F175D3DCCD1}">
-              <a14:hiddenFill xmlns:a14="http://schemas.microsoft.com/office/drawing/2010/main">
-                <a:solidFill>
-                  <a:srgbClr val="FFFFFF"/>
-                </a:solidFill>
-              </a14:hiddenFill>
-            </a:ext>
-          </a:extLst>
-        </p:spPr>
-      </p:pic>
-    </p:spTree>
-    <p:extLst>
-      <p:ext uri="{BB962C8B-B14F-4D97-AF65-F5344CB8AC3E}">
-        <p14:creationId xmlns:p14="http://schemas.microsoft.com/office/powerpoint/2010/main" val="1940070091"/>
-      </p:ext>
-    </p:extLst>
-  </p:cSld>
-  <p:clrMapOvr>
-    <a:masterClrMapping/>
-  </p:clrMapOvr>
-</p:sld>
-</file>
-
-<file path=ppt/slides/slide6.xml><?xml version="1.0" encoding="utf-8"?>
-<p:sld xmlns:a="http://schemas.openxmlformats.org/drawingml/2006/main" xmlns:r="http://schemas.openxmlformats.org/officeDocument/2006/relationships" xmlns:p="http://schemas.openxmlformats.org/presentationml/2006/main">
-  <p:cSld>
-    <p:spTree>
-      <p:nvGrpSpPr>
-        <p:cNvPr id="1" name="">
-          <a:extLst>
-            <a:ext uri="{FF2B5EF4-FFF2-40B4-BE49-F238E27FC236}">
-              <a16:creationId xmlns:a16="http://schemas.microsoft.com/office/drawing/2014/main" id="{CDBB7595-C3B4-6C03-8F33-FC935D55BDBC}"/>
-            </a:ext>
-          </a:extLst>
-        </p:cNvPr>
-        <p:cNvGrpSpPr/>
-        <p:nvPr/>
-      </p:nvGrpSpPr>
-      <p:grpSpPr>
-        <a:xfrm>
-          <a:off x="0" y="0"/>
-          <a:ext cx="0" cy="0"/>
-          <a:chOff x="0" y="0"/>
-          <a:chExt cx="0" cy="0"/>
-        </a:xfrm>
-      </p:grpSpPr>
-      <p:sp>
-        <p:nvSpPr>
-          <p:cNvPr id="9" name="Title 1">
-            <a:extLst>
-              <a:ext uri="{FF2B5EF4-FFF2-40B4-BE49-F238E27FC236}">
-                <a16:creationId xmlns:a16="http://schemas.microsoft.com/office/drawing/2014/main" id="{8E79B97C-4982-4A8C-F8A2-4E5A5C28038C}"/>
-              </a:ext>
-            </a:extLst>
-          </p:cNvPr>
-          <p:cNvSpPr>
-            <a:spLocks noGrp="1"/>
-          </p:cNvSpPr>
-          <p:nvPr>
-            <p:ph type="title"/>
-          </p:nvPr>
-        </p:nvSpPr>
-        <p:spPr>
-          <a:xfrm>
-            <a:off x="386970" y="92132"/>
-            <a:ext cx="10515600" cy="545822"/>
-          </a:xfrm>
-        </p:spPr>
-        <p:txBody>
-          <a:bodyPr>
-            <a:normAutofit/>
-          </a:bodyPr>
-          <a:lstStyle/>
-          <a:p>
-            <a:r>
-              <a:rPr lang="ru-RU" sz="3000" dirty="0"/>
-              <a:t>Типы данных</a:t>
-            </a:r>
-            <a:endParaRPr lang="en-US" sz="3000" dirty="0"/>
-          </a:p>
-        </p:txBody>
-      </p:sp>
-      <p:sp>
-        <p:nvSpPr>
-          <p:cNvPr id="2" name="TextBox 1">
-            <a:extLst>
-              <a:ext uri="{FF2B5EF4-FFF2-40B4-BE49-F238E27FC236}">
-                <a16:creationId xmlns:a16="http://schemas.microsoft.com/office/drawing/2014/main" id="{A02B4AF9-ECD3-A973-2DB6-505DE88A114F}"/>
-              </a:ext>
-            </a:extLst>
-          </p:cNvPr>
-          <p:cNvSpPr txBox="1"/>
-          <p:nvPr/>
-        </p:nvSpPr>
-        <p:spPr>
-          <a:xfrm>
-            <a:off x="386970" y="1029839"/>
-            <a:ext cx="7080785" cy="3108543"/>
-          </a:xfrm>
-          <a:prstGeom prst="rect">
-            <a:avLst/>
-          </a:prstGeom>
-          <a:noFill/>
-        </p:spPr>
-        <p:txBody>
-          <a:bodyPr wrap="none" rtlCol="0">
-            <a:spAutoFit/>
-          </a:bodyPr>
-          <a:lstStyle/>
-          <a:p>
-            <a:pPr marL="457200" indent="-457200">
-              <a:buFont typeface="Arial" panose="020B0604020202020204" pitchFamily="34" charset="0"/>
-              <a:buChar char="•"/>
-            </a:pPr>
-            <a:r>
-              <a:rPr lang="ru-RU" sz="2800" dirty="0"/>
-              <a:t>Число</a:t>
-            </a:r>
-            <a:r>
-              <a:rPr lang="en-US" sz="2800" dirty="0"/>
-              <a:t> (1 </a:t>
-            </a:r>
-            <a:r>
-              <a:rPr lang="ru-RU" sz="2800" dirty="0"/>
-              <a:t>или</a:t>
-            </a:r>
-            <a:r>
-              <a:rPr lang="en-US" sz="2800" dirty="0"/>
-              <a:t> 2</a:t>
-            </a:r>
-            <a:r>
-              <a:rPr lang="ru-RU" sz="2800" dirty="0"/>
-              <a:t> или</a:t>
-            </a:r>
-            <a:r>
-              <a:rPr lang="en-US" sz="2800" dirty="0"/>
-              <a:t> 3.14)</a:t>
-            </a:r>
-            <a:endParaRPr lang="ru-RU" sz="2800" dirty="0"/>
-          </a:p>
-          <a:p>
-            <a:pPr marL="457200" indent="-457200">
-              <a:buFont typeface="Arial" panose="020B0604020202020204" pitchFamily="34" charset="0"/>
-              <a:buChar char="•"/>
-            </a:pPr>
-            <a:r>
-              <a:rPr lang="ru-RU" sz="2800" dirty="0"/>
-              <a:t>Логическое значение</a:t>
-            </a:r>
-            <a:r>
-              <a:rPr lang="en-US" sz="2800" dirty="0"/>
-              <a:t> (</a:t>
-            </a:r>
-            <a:r>
-              <a:rPr lang="ru-RU" sz="2800" dirty="0"/>
-              <a:t>да </a:t>
-            </a:r>
-            <a:r>
-              <a:rPr lang="en-US" sz="2800" dirty="0"/>
-              <a:t>/ </a:t>
-            </a:r>
-            <a:r>
-              <a:rPr lang="ru-RU" sz="2800" dirty="0"/>
-              <a:t>нет</a:t>
-            </a:r>
-            <a:r>
-              <a:rPr lang="en-US" sz="2800" dirty="0"/>
-              <a:t> </a:t>
-            </a:r>
-            <a:r>
-              <a:rPr lang="ru-RU" sz="2800" dirty="0"/>
-              <a:t>или </a:t>
-            </a:r>
-            <a:r>
-              <a:rPr lang="en-US" sz="2800" dirty="0"/>
-              <a:t>1 / 0)</a:t>
-            </a:r>
-            <a:endParaRPr lang="ru-RU" sz="2800" dirty="0"/>
-          </a:p>
-          <a:p>
-            <a:pPr marL="457200" indent="-457200">
-              <a:buFont typeface="Arial" panose="020B0604020202020204" pitchFamily="34" charset="0"/>
-              <a:buChar char="•"/>
-            </a:pPr>
-            <a:r>
-              <a:rPr lang="ru-RU" sz="2800" dirty="0"/>
-              <a:t>Строка</a:t>
-            </a:r>
-            <a:r>
-              <a:rPr lang="en-US" sz="2800" dirty="0"/>
-              <a:t> </a:t>
-            </a:r>
-            <a:r>
-              <a:rPr lang="ru-RU" sz="2800" dirty="0"/>
-              <a:t>или текст</a:t>
-            </a:r>
-            <a:endParaRPr lang="en-US" sz="2800" dirty="0"/>
-          </a:p>
-          <a:p>
-            <a:pPr marL="457200" indent="-457200">
-              <a:buFont typeface="Arial" panose="020B0604020202020204" pitchFamily="34" charset="0"/>
-              <a:buChar char="•"/>
-            </a:pPr>
-            <a:r>
-              <a:rPr lang="ru-RU" sz="2800" dirty="0"/>
-              <a:t>Категория</a:t>
-            </a:r>
-          </a:p>
-          <a:p>
-            <a:pPr marL="457200" indent="-457200">
-              <a:buFont typeface="Arial" panose="020B0604020202020204" pitchFamily="34" charset="0"/>
-              <a:buChar char="•"/>
-            </a:pPr>
-            <a:r>
-              <a:rPr lang="ru-RU" sz="2800" dirty="0"/>
-              <a:t>Порядковая</a:t>
-            </a:r>
-          </a:p>
-          <a:p>
-            <a:pPr marL="457200" indent="-457200">
-              <a:buFont typeface="Arial" panose="020B0604020202020204" pitchFamily="34" charset="0"/>
-              <a:buChar char="•"/>
-            </a:pPr>
-            <a:endParaRPr lang="ru-RU" sz="2800" dirty="0"/>
-          </a:p>
-          <a:p>
-            <a:r>
-              <a:rPr lang="ru-RU" sz="2800" dirty="0"/>
-              <a:t>см. </a:t>
-            </a:r>
-            <a:r>
-              <a:rPr lang="en-US" sz="2800" dirty="0"/>
-              <a:t>02-data-types.R</a:t>
-            </a:r>
-            <a:endParaRPr lang="ru-RU" sz="2800" dirty="0"/>
-          </a:p>
-        </p:txBody>
-      </p:sp>
-    </p:spTree>
-    <p:extLst>
-      <p:ext uri="{BB962C8B-B14F-4D97-AF65-F5344CB8AC3E}">
-        <p14:creationId xmlns:p14="http://schemas.microsoft.com/office/powerpoint/2010/main" val="517900397"/>
-      </p:ext>
-    </p:extLst>
-  </p:cSld>
-  <p:clrMapOvr>
-    <a:masterClrMapping/>
-  </p:clrMapOvr>
-</p:sld>
-</file>
-
-<file path=ppt/slides/slide7.xml><?xml version="1.0" encoding="utf-8"?>
-<p:sld xmlns:a="http://schemas.openxmlformats.org/drawingml/2006/main" xmlns:r="http://schemas.openxmlformats.org/officeDocument/2006/relationships" xmlns:p="http://schemas.openxmlformats.org/presentationml/2006/main">
-  <p:cSld>
-    <p:spTree>
-      <p:nvGrpSpPr>
-        <p:cNvPr id="1" name="">
-          <a:extLst>
-            <a:ext uri="{FF2B5EF4-FFF2-40B4-BE49-F238E27FC236}">
-              <a16:creationId xmlns:a16="http://schemas.microsoft.com/office/drawing/2014/main" id="{154F6B7D-6851-AE7B-59E7-B1FCED5D49C8}"/>
-            </a:ext>
-          </a:extLst>
-        </p:cNvPr>
-        <p:cNvGrpSpPr/>
-        <p:nvPr/>
-      </p:nvGrpSpPr>
-      <p:grpSpPr>
-        <a:xfrm>
-          <a:off x="0" y="0"/>
-          <a:ext cx="0" cy="0"/>
-          <a:chOff x="0" y="0"/>
-          <a:chExt cx="0" cy="0"/>
-        </a:xfrm>
-      </p:grpSpPr>
-      <p:sp>
-        <p:nvSpPr>
-          <p:cNvPr id="9" name="Title 1">
-            <a:extLst>
-              <a:ext uri="{FF2B5EF4-FFF2-40B4-BE49-F238E27FC236}">
-                <a16:creationId xmlns:a16="http://schemas.microsoft.com/office/drawing/2014/main" id="{3B519AD7-21CE-0FAB-9879-E3DFE760DE81}"/>
-              </a:ext>
-            </a:extLst>
-          </p:cNvPr>
-          <p:cNvSpPr>
-            <a:spLocks noGrp="1"/>
-          </p:cNvSpPr>
-          <p:nvPr>
-            <p:ph type="title"/>
-          </p:nvPr>
-        </p:nvSpPr>
-        <p:spPr>
-          <a:xfrm>
-            <a:off x="386970" y="92132"/>
-            <a:ext cx="10515600" cy="545822"/>
-          </a:xfrm>
-        </p:spPr>
-        <p:txBody>
-          <a:bodyPr>
-            <a:normAutofit/>
-          </a:bodyPr>
-          <a:lstStyle/>
-          <a:p>
-            <a:r>
-              <a:rPr lang="ru-RU" sz="3000" dirty="0"/>
-              <a:t>Импорт данных</a:t>
-            </a:r>
-            <a:endParaRPr lang="en-US" sz="3000" dirty="0"/>
-          </a:p>
-        </p:txBody>
-      </p:sp>
-      <p:sp>
-        <p:nvSpPr>
-          <p:cNvPr id="2" name="TextBox 1">
-            <a:extLst>
-              <a:ext uri="{FF2B5EF4-FFF2-40B4-BE49-F238E27FC236}">
-                <a16:creationId xmlns:a16="http://schemas.microsoft.com/office/drawing/2014/main" id="{F90BE164-F5A8-6C6A-31C2-C14345A2329F}"/>
-              </a:ext>
-            </a:extLst>
-          </p:cNvPr>
-          <p:cNvSpPr txBox="1"/>
-          <p:nvPr/>
-        </p:nvSpPr>
-        <p:spPr>
-          <a:xfrm>
-            <a:off x="386970" y="1029839"/>
-            <a:ext cx="3187219" cy="1815882"/>
-          </a:xfrm>
-          <a:prstGeom prst="rect">
-            <a:avLst/>
-          </a:prstGeom>
-          <a:noFill/>
-        </p:spPr>
-        <p:txBody>
-          <a:bodyPr wrap="none" rtlCol="0">
-            <a:spAutoFit/>
-          </a:bodyPr>
-          <a:lstStyle/>
-          <a:p>
-            <a:pPr marL="457200" indent="-457200">
-              <a:buFont typeface="Arial" panose="020B0604020202020204" pitchFamily="34" charset="0"/>
-              <a:buChar char="•"/>
-            </a:pPr>
-            <a:r>
-              <a:rPr lang="en-US" sz="2800" dirty="0"/>
-              <a:t>CSV</a:t>
-            </a:r>
-          </a:p>
-          <a:p>
-            <a:pPr marL="457200" indent="-457200">
-              <a:buFont typeface="Arial" panose="020B0604020202020204" pitchFamily="34" charset="0"/>
-              <a:buChar char="•"/>
-            </a:pPr>
-            <a:r>
-              <a:rPr lang="en-US" sz="2800" dirty="0"/>
-              <a:t>Excel</a:t>
-            </a:r>
-          </a:p>
-          <a:p>
-            <a:pPr marL="457200" indent="-457200">
-              <a:buFont typeface="Arial" panose="020B0604020202020204" pitchFamily="34" charset="0"/>
-              <a:buChar char="•"/>
-            </a:pPr>
-            <a:endParaRPr lang="en-US" sz="2800" dirty="0"/>
-          </a:p>
-          <a:p>
-            <a:r>
-              <a:rPr lang="ru-RU" sz="2800" dirty="0"/>
-              <a:t>см. </a:t>
-            </a:r>
-            <a:r>
-              <a:rPr lang="en-US" sz="2800" dirty="0"/>
-              <a:t>03-read-data.R</a:t>
-            </a:r>
-            <a:endParaRPr lang="ru-RU" sz="2800" dirty="0"/>
-          </a:p>
-        </p:txBody>
-      </p:sp>
-    </p:spTree>
-    <p:extLst>
-      <p:ext uri="{BB962C8B-B14F-4D97-AF65-F5344CB8AC3E}">
-        <p14:creationId xmlns:p14="http://schemas.microsoft.com/office/powerpoint/2010/main" val="2055707675"/>
-      </p:ext>
-    </p:extLst>
-  </p:cSld>
-  <p:clrMapOvr>
-    <a:masterClrMapping/>
-  </p:clrMapOvr>
-</p:sld>
-</file>
-
-<file path=ppt/slides/slide8.xml><?xml version="1.0" encoding="utf-8"?>
-<p:sld xmlns:a="http://schemas.openxmlformats.org/drawingml/2006/main" xmlns:r="http://schemas.openxmlformats.org/officeDocument/2006/relationships" xmlns:p="http://schemas.openxmlformats.org/presentationml/2006/main">
-  <p:cSld>
-    <p:spTree>
-      <p:nvGrpSpPr>
-        <p:cNvPr id="1" name="">
-          <a:extLst>
-            <a:ext uri="{FF2B5EF4-FFF2-40B4-BE49-F238E27FC236}">
-              <a16:creationId xmlns:a16="http://schemas.microsoft.com/office/drawing/2014/main" id="{66ACDAA8-471D-3602-73C0-7833CAC5FD4E}"/>
-            </a:ext>
-          </a:extLst>
-        </p:cNvPr>
-        <p:cNvGrpSpPr/>
-        <p:nvPr/>
-      </p:nvGrpSpPr>
-      <p:grpSpPr>
-        <a:xfrm>
-          <a:off x="0" y="0"/>
-          <a:ext cx="0" cy="0"/>
-          <a:chOff x="0" y="0"/>
-          <a:chExt cx="0" cy="0"/>
-        </a:xfrm>
-      </p:grpSpPr>
-      <p:sp>
-        <p:nvSpPr>
-          <p:cNvPr id="9" name="Title 1">
-            <a:extLst>
-              <a:ext uri="{FF2B5EF4-FFF2-40B4-BE49-F238E27FC236}">
-                <a16:creationId xmlns:a16="http://schemas.microsoft.com/office/drawing/2014/main" id="{B280CC2A-952D-7D42-FB47-19F95BAC4709}"/>
-              </a:ext>
-            </a:extLst>
-          </p:cNvPr>
-          <p:cNvSpPr>
-            <a:spLocks noGrp="1"/>
-          </p:cNvSpPr>
-          <p:nvPr>
-            <p:ph type="title"/>
-          </p:nvPr>
-        </p:nvSpPr>
-        <p:spPr>
-          <a:xfrm>
-            <a:off x="386970" y="92132"/>
-            <a:ext cx="10515600" cy="545822"/>
-          </a:xfrm>
-        </p:spPr>
-        <p:txBody>
-          <a:bodyPr>
-            <a:normAutofit/>
-          </a:bodyPr>
-          <a:lstStyle/>
-          <a:p>
-            <a:r>
-              <a:rPr lang="ru-RU" sz="3000" dirty="0"/>
-              <a:t>Графики и таблицы</a:t>
-            </a:r>
-            <a:endParaRPr lang="en-US" sz="3000" dirty="0"/>
-          </a:p>
-        </p:txBody>
-      </p:sp>
-      <p:sp>
-        <p:nvSpPr>
-          <p:cNvPr id="2" name="TextBox 1">
-            <a:extLst>
-              <a:ext uri="{FF2B5EF4-FFF2-40B4-BE49-F238E27FC236}">
-                <a16:creationId xmlns:a16="http://schemas.microsoft.com/office/drawing/2014/main" id="{4913C5DA-CD9F-E2B1-9845-0B0BA2A490B0}"/>
-              </a:ext>
-            </a:extLst>
-          </p:cNvPr>
-          <p:cNvSpPr txBox="1"/>
-          <p:nvPr/>
-        </p:nvSpPr>
-        <p:spPr>
-          <a:xfrm>
-            <a:off x="386970" y="1029839"/>
-            <a:ext cx="3571299" cy="523220"/>
-          </a:xfrm>
-          <a:prstGeom prst="rect">
-            <a:avLst/>
-          </a:prstGeom>
-          <a:noFill/>
-        </p:spPr>
-        <p:txBody>
-          <a:bodyPr wrap="none" rtlCol="0">
-            <a:spAutoFit/>
-          </a:bodyPr>
-          <a:lstStyle/>
-          <a:p>
-            <a:r>
-              <a:rPr lang="ru-RU" sz="2800" dirty="0"/>
-              <a:t>см. </a:t>
-            </a:r>
-            <a:r>
-              <a:rPr lang="en-US" sz="2800" dirty="0"/>
-              <a:t>04-explore-data.R</a:t>
-            </a:r>
-            <a:endParaRPr lang="ru-RU" sz="2800" dirty="0"/>
-          </a:p>
-        </p:txBody>
-      </p:sp>
-    </p:spTree>
-    <p:extLst>
-      <p:ext uri="{BB962C8B-B14F-4D97-AF65-F5344CB8AC3E}">
-        <p14:creationId xmlns:p14="http://schemas.microsoft.com/office/powerpoint/2010/main" val="1806380315"/>
-      </p:ext>
-    </p:extLst>
-  </p:cSld>
-  <p:clrMapOvr>
-    <a:masterClrMapping/>
-  </p:clrMapOvr>
-</p:sld>
-</file>
-
 <file path=ppt/theme/theme1.xml><?xml version="1.0" encoding="utf-8"?>
 <a:theme xmlns:a="http://schemas.openxmlformats.org/drawingml/2006/main" name="Office Theme">
   <a:themeElements>
